--- a/example.pptx
+++ b/example.pptx
@@ -2,7 +2,7 @@
 <file path=ppt/presentation.xml><?xml version="1.0" encoding="utf-8"?>
 <p:presentation xmlns:a="http://schemas.openxmlformats.org/drawingml/2006/main" xmlns:r="http://schemas.openxmlformats.org/officeDocument/2006/relationships" xmlns:p="http://schemas.openxmlformats.org/presentationml/2006/main" showSpecialPlsOnTitleSld="0" saveSubsetFonts="1">
   <p:sldMasterIdLst>
-    <p:sldMasterId id="2147483648" r:id="rId1"/>
+    <p:sldMasterId id="2147483657" r:id="rId1"/>
   </p:sldMasterIdLst>
   <p:notesMasterIdLst>
     <p:notesMasterId r:id="rId7"/>
@@ -201,7 +201,7 @@
           <a:p>
             <a:fld id="{C99F3D37-3496-A44A-8343-ED728899321E}" type="datetimeFigureOut">
               <a:rPr lang="en-US" smtClean="0"/>
-              <a:t>5/1/22</a:t>
+              <a:t>5/2/22</a:t>
             </a:fld>
             <a:endParaRPr lang="en-US"/>
           </a:p>
@@ -469,7 +469,7 @@
 </file>
 
 <file path=ppt/slideLayouts/slideLayout1.xml><?xml version="1.0" encoding="utf-8"?>
-<p:sldLayout xmlns:a="http://schemas.openxmlformats.org/drawingml/2006/main" xmlns:r="http://schemas.openxmlformats.org/officeDocument/2006/relationships" xmlns:p="http://schemas.openxmlformats.org/presentationml/2006/main" preserve="1" userDrawn="1">
+<p:sldLayout xmlns:a="http://schemas.openxmlformats.org/drawingml/2006/main" xmlns:r="http://schemas.openxmlformats.org/officeDocument/2006/relationships" xmlns:p="http://schemas.openxmlformats.org/presentationml/2006/main" showMasterSp="0" preserve="1">
   <p:cSld name="Title Slide">
     <p:spTree>
       <p:nvGrpSpPr>
@@ -497,7 +497,7 @@
           <p:cNvSpPr txBox="1">
             <a:spLocks/>
           </p:cNvSpPr>
-          <p:nvPr userDrawn="1"/>
+          <p:nvPr/>
         </p:nvSpPr>
         <p:spPr>
           <a:xfrm>
@@ -871,10 +871,490 @@
           </a:p>
         </p:txBody>
       </p:sp>
+      <p:sp>
+        <p:nvSpPr>
+          <p:cNvPr id="7" name="Subtitle 2">
+            <a:extLst>
+              <a:ext uri="{FF2B5EF4-FFF2-40B4-BE49-F238E27FC236}">
+                <a16:creationId xmlns:a16="http://schemas.microsoft.com/office/drawing/2014/main" id="{EC46A339-0CEF-4204-070F-6F207DD8DA16}"/>
+              </a:ext>
+            </a:extLst>
+          </p:cNvPr>
+          <p:cNvSpPr txBox="1">
+            <a:spLocks/>
+          </p:cNvSpPr>
+          <p:nvPr userDrawn="1"/>
+        </p:nvSpPr>
+        <p:spPr>
+          <a:xfrm>
+            <a:off x="1523999" y="3556001"/>
+            <a:ext cx="9144000" cy="576066"/>
+          </a:xfrm>
+          <a:prstGeom prst="rect">
+            <a:avLst/>
+          </a:prstGeom>
+        </p:spPr>
+        <p:txBody>
+          <a:bodyPr vert="horz" lIns="91440" tIns="45720" rIns="91440" bIns="45720" rtlCol="0" anchor="ctr">
+            <a:normAutofit/>
+          </a:bodyPr>
+          <a:lstStyle>
+            <a:lvl1pPr marL="0" indent="0" algn="ctr" defTabSz="914400" rtl="0" eaLnBrk="1" latinLnBrk="0" hangingPunct="1">
+              <a:lnSpc>
+                <a:spcPct val="90000"/>
+              </a:lnSpc>
+              <a:spcBef>
+                <a:spcPts val="1000"/>
+              </a:spcBef>
+              <a:buClr>
+                <a:srgbClr val="C00000"/>
+              </a:buClr>
+              <a:buSzPct val="120000"/>
+              <a:buFont typeface="Wingdings" panose="05000000000000000000" pitchFamily="2" charset="2"/>
+              <a:buNone/>
+              <a:defRPr sz="2800" kern="1200">
+                <a:solidFill>
+                  <a:schemeClr val="tx1"/>
+                </a:solidFill>
+                <a:latin typeface="CMU Sans Serif Medium" panose="02000603000000000000" pitchFamily="2" charset="0"/>
+                <a:ea typeface="CMU Sans Serif Medium" panose="02000603000000000000" pitchFamily="2" charset="0"/>
+                <a:cs typeface="CMU Sans Serif Medium" panose="02000603000000000000" pitchFamily="2" charset="0"/>
+              </a:defRPr>
+            </a:lvl1pPr>
+            <a:lvl2pPr marL="457200" indent="0" algn="ctr" defTabSz="914400" rtl="0" eaLnBrk="1" latinLnBrk="0" hangingPunct="1">
+              <a:lnSpc>
+                <a:spcPct val="70000"/>
+              </a:lnSpc>
+              <a:spcBef>
+                <a:spcPts val="600"/>
+              </a:spcBef>
+              <a:buClr>
+                <a:srgbClr val="C00000"/>
+              </a:buClr>
+              <a:buSzPct val="120000"/>
+              <a:buFont typeface="Wingdings" panose="05000000000000000000" pitchFamily="2" charset="2"/>
+              <a:buNone/>
+              <a:defRPr sz="2000" kern="1200">
+                <a:solidFill>
+                  <a:schemeClr val="tx1"/>
+                </a:solidFill>
+                <a:latin typeface="CMU Sans Serif Medium" panose="02000603000000000000" pitchFamily="2" charset="0"/>
+                <a:ea typeface="CMU Sans Serif Medium" panose="02000603000000000000" pitchFamily="2" charset="0"/>
+                <a:cs typeface="CMU Sans Serif Medium" panose="02000603000000000000" pitchFamily="2" charset="0"/>
+              </a:defRPr>
+            </a:lvl2pPr>
+            <a:lvl3pPr marL="914400" indent="0" algn="ctr" defTabSz="914400" rtl="0" eaLnBrk="1" latinLnBrk="0" hangingPunct="1">
+              <a:lnSpc>
+                <a:spcPct val="90000"/>
+              </a:lnSpc>
+              <a:spcBef>
+                <a:spcPts val="500"/>
+              </a:spcBef>
+              <a:buClr>
+                <a:srgbClr val="C00000"/>
+              </a:buClr>
+              <a:buSzPct val="120000"/>
+              <a:buFont typeface="Wingdings" panose="05000000000000000000" pitchFamily="2" charset="2"/>
+              <a:buNone/>
+              <a:defRPr sz="1800" kern="1200">
+                <a:solidFill>
+                  <a:schemeClr val="tx1"/>
+                </a:solidFill>
+                <a:latin typeface="CMU Sans Serif Medium" panose="02000603000000000000" pitchFamily="2" charset="0"/>
+                <a:ea typeface="CMU Sans Serif Medium" panose="02000603000000000000" pitchFamily="2" charset="0"/>
+                <a:cs typeface="CMU Sans Serif Medium" panose="02000603000000000000" pitchFamily="2" charset="0"/>
+              </a:defRPr>
+            </a:lvl3pPr>
+            <a:lvl4pPr marL="1371600" indent="0" algn="ctr" defTabSz="914400" rtl="0" eaLnBrk="1" latinLnBrk="0" hangingPunct="1">
+              <a:lnSpc>
+                <a:spcPct val="90000"/>
+              </a:lnSpc>
+              <a:spcBef>
+                <a:spcPts val="500"/>
+              </a:spcBef>
+              <a:buClr>
+                <a:srgbClr val="C00000"/>
+              </a:buClr>
+              <a:buSzPct val="120000"/>
+              <a:buFont typeface="Wingdings" panose="05000000000000000000" pitchFamily="2" charset="2"/>
+              <a:buNone/>
+              <a:defRPr sz="1600" kern="1200">
+                <a:solidFill>
+                  <a:schemeClr val="tx1"/>
+                </a:solidFill>
+                <a:latin typeface="CMU Sans Serif Medium" panose="02000603000000000000" pitchFamily="2" charset="0"/>
+                <a:ea typeface="CMU Sans Serif Medium" panose="02000603000000000000" pitchFamily="2" charset="0"/>
+                <a:cs typeface="CMU Sans Serif Medium" panose="02000603000000000000" pitchFamily="2" charset="0"/>
+              </a:defRPr>
+            </a:lvl4pPr>
+            <a:lvl5pPr marL="1828800" indent="0" algn="ctr" defTabSz="914400" rtl="0" eaLnBrk="1" latinLnBrk="0" hangingPunct="1">
+              <a:lnSpc>
+                <a:spcPct val="90000"/>
+              </a:lnSpc>
+              <a:spcBef>
+                <a:spcPts val="500"/>
+              </a:spcBef>
+              <a:buClr>
+                <a:srgbClr val="C00000"/>
+              </a:buClr>
+              <a:buSzPct val="120000"/>
+              <a:buFont typeface="Wingdings" panose="05000000000000000000" pitchFamily="2" charset="2"/>
+              <a:buNone/>
+              <a:defRPr sz="1600" kern="1200">
+                <a:solidFill>
+                  <a:schemeClr val="tx1"/>
+                </a:solidFill>
+                <a:latin typeface="CMU Sans Serif Medium" panose="02000603000000000000" pitchFamily="2" charset="0"/>
+                <a:ea typeface="CMU Sans Serif Medium" panose="02000603000000000000" pitchFamily="2" charset="0"/>
+                <a:cs typeface="CMU Sans Serif Medium" panose="02000603000000000000" pitchFamily="2" charset="0"/>
+              </a:defRPr>
+            </a:lvl5pPr>
+            <a:lvl6pPr marL="2286000" indent="0" algn="ctr" defTabSz="914400" rtl="0" eaLnBrk="1" latinLnBrk="0" hangingPunct="1">
+              <a:lnSpc>
+                <a:spcPct val="90000"/>
+              </a:lnSpc>
+              <a:spcBef>
+                <a:spcPts val="500"/>
+              </a:spcBef>
+              <a:buFont typeface="Arial" panose="020B0604020202020204" pitchFamily="34" charset="0"/>
+              <a:buNone/>
+              <a:defRPr sz="1600" kern="1200">
+                <a:solidFill>
+                  <a:schemeClr val="tx1"/>
+                </a:solidFill>
+                <a:latin typeface="+mn-lt"/>
+                <a:ea typeface="+mn-ea"/>
+                <a:cs typeface="+mn-cs"/>
+              </a:defRPr>
+            </a:lvl6pPr>
+            <a:lvl7pPr marL="2743200" indent="0" algn="ctr" defTabSz="914400" rtl="0" eaLnBrk="1" latinLnBrk="0" hangingPunct="1">
+              <a:lnSpc>
+                <a:spcPct val="90000"/>
+              </a:lnSpc>
+              <a:spcBef>
+                <a:spcPts val="500"/>
+              </a:spcBef>
+              <a:buFont typeface="Arial" panose="020B0604020202020204" pitchFamily="34" charset="0"/>
+              <a:buNone/>
+              <a:defRPr sz="1600" kern="1200">
+                <a:solidFill>
+                  <a:schemeClr val="tx1"/>
+                </a:solidFill>
+                <a:latin typeface="+mn-lt"/>
+                <a:ea typeface="+mn-ea"/>
+                <a:cs typeface="+mn-cs"/>
+              </a:defRPr>
+            </a:lvl7pPr>
+            <a:lvl8pPr marL="3200400" indent="0" algn="ctr" defTabSz="914400" rtl="0" eaLnBrk="1" latinLnBrk="0" hangingPunct="1">
+              <a:lnSpc>
+                <a:spcPct val="90000"/>
+              </a:lnSpc>
+              <a:spcBef>
+                <a:spcPts val="500"/>
+              </a:spcBef>
+              <a:buFont typeface="Arial" panose="020B0604020202020204" pitchFamily="34" charset="0"/>
+              <a:buNone/>
+              <a:defRPr sz="1600" kern="1200">
+                <a:solidFill>
+                  <a:schemeClr val="tx1"/>
+                </a:solidFill>
+                <a:latin typeface="+mn-lt"/>
+                <a:ea typeface="+mn-ea"/>
+                <a:cs typeface="+mn-cs"/>
+              </a:defRPr>
+            </a:lvl8pPr>
+            <a:lvl9pPr marL="3657600" indent="0" algn="ctr" defTabSz="914400" rtl="0" eaLnBrk="1" latinLnBrk="0" hangingPunct="1">
+              <a:lnSpc>
+                <a:spcPct val="90000"/>
+              </a:lnSpc>
+              <a:spcBef>
+                <a:spcPts val="500"/>
+              </a:spcBef>
+              <a:buFont typeface="Arial" panose="020B0604020202020204" pitchFamily="34" charset="0"/>
+              <a:buNone/>
+              <a:defRPr sz="1600" kern="1200">
+                <a:solidFill>
+                  <a:schemeClr val="tx1"/>
+                </a:solidFill>
+                <a:latin typeface="+mn-lt"/>
+                <a:ea typeface="+mn-ea"/>
+                <a:cs typeface="+mn-cs"/>
+              </a:defRPr>
+            </a:lvl9pPr>
+          </a:lstStyle>
+          <a:p>
+            <a:endParaRPr lang="en-US" sz="2000" dirty="0"/>
+          </a:p>
+        </p:txBody>
+      </p:sp>
     </p:spTree>
     <p:extLst>
       <p:ext uri="{BB962C8B-B14F-4D97-AF65-F5344CB8AC3E}">
-        <p14:creationId xmlns:p14="http://schemas.microsoft.com/office/powerpoint/2010/main" val="3277768662"/>
+        <p14:creationId xmlns:p14="http://schemas.microsoft.com/office/powerpoint/2010/main" val="3521914628"/>
+      </p:ext>
+    </p:extLst>
+  </p:cSld>
+  <p:clrMapOvr>
+    <a:masterClrMapping/>
+  </p:clrMapOvr>
+</p:sldLayout>
+</file>
+
+<file path=ppt/slideLayouts/slideLayout10.xml><?xml version="1.0" encoding="utf-8"?>
+<p:sldLayout xmlns:a="http://schemas.openxmlformats.org/drawingml/2006/main" xmlns:r="http://schemas.openxmlformats.org/officeDocument/2006/relationships" xmlns:p="http://schemas.openxmlformats.org/presentationml/2006/main" preserve="1" userDrawn="1">
+  <p:cSld name="Custom Layout">
+    <p:spTree>
+      <p:nvGrpSpPr>
+        <p:cNvPr id="1" name=""/>
+        <p:cNvGrpSpPr/>
+        <p:nvPr/>
+      </p:nvGrpSpPr>
+      <p:grpSpPr>
+        <a:xfrm>
+          <a:off x="0" y="0"/>
+          <a:ext cx="0" cy="0"/>
+          <a:chOff x="0" y="0"/>
+          <a:chExt cx="0" cy="0"/>
+        </a:xfrm>
+      </p:grpSpPr>
+      <p:sp>
+        <p:nvSpPr>
+          <p:cNvPr id="2" name="Title 1">
+            <a:extLst>
+              <a:ext uri="{FF2B5EF4-FFF2-40B4-BE49-F238E27FC236}">
+                <a16:creationId xmlns:a16="http://schemas.microsoft.com/office/drawing/2014/main" id="{3BD84286-880B-57FC-DB81-FFF3401CBC7F}"/>
+              </a:ext>
+            </a:extLst>
+          </p:cNvPr>
+          <p:cNvSpPr>
+            <a:spLocks noGrp="1"/>
+          </p:cNvSpPr>
+          <p:nvPr>
+            <p:ph type="title"/>
+          </p:nvPr>
+        </p:nvSpPr>
+        <p:spPr/>
+        <p:txBody>
+          <a:bodyPr/>
+          <a:lstStyle/>
+          <a:p>
+            <a:r>
+              <a:rPr lang="en-US"/>
+              <a:t>Click to edit Master title style</a:t>
+            </a:r>
+          </a:p>
+        </p:txBody>
+      </p:sp>
+      <p:sp>
+        <p:nvSpPr>
+          <p:cNvPr id="3" name="Footer Placeholder 2">
+            <a:extLst>
+              <a:ext uri="{FF2B5EF4-FFF2-40B4-BE49-F238E27FC236}">
+                <a16:creationId xmlns:a16="http://schemas.microsoft.com/office/drawing/2014/main" id="{2D675FE2-4B4A-D8D3-B2FA-EB014F9C6D3F}"/>
+              </a:ext>
+            </a:extLst>
+          </p:cNvPr>
+          <p:cNvSpPr>
+            <a:spLocks noGrp="1"/>
+          </p:cNvSpPr>
+          <p:nvPr>
+            <p:ph type="ftr" sz="quarter" idx="10"/>
+          </p:nvPr>
+        </p:nvSpPr>
+        <p:spPr/>
+        <p:txBody>
+          <a:bodyPr/>
+          <a:lstStyle/>
+          <a:p>
+            <a:r>
+              <a:rPr lang="en-US"/>
+              <a:t>Foot here</a:t>
+            </a:r>
+            <a:endParaRPr lang="en-US" dirty="0"/>
+          </a:p>
+        </p:txBody>
+      </p:sp>
+      <p:sp>
+        <p:nvSpPr>
+          <p:cNvPr id="4" name="Date Placeholder 3">
+            <a:extLst>
+              <a:ext uri="{FF2B5EF4-FFF2-40B4-BE49-F238E27FC236}">
+                <a16:creationId xmlns:a16="http://schemas.microsoft.com/office/drawing/2014/main" id="{C7377FF6-35FE-31D5-39BB-AE226A2B7788}"/>
+              </a:ext>
+            </a:extLst>
+          </p:cNvPr>
+          <p:cNvSpPr>
+            <a:spLocks noGrp="1"/>
+          </p:cNvSpPr>
+          <p:nvPr>
+            <p:ph type="dt" sz="half" idx="11"/>
+          </p:nvPr>
+        </p:nvSpPr>
+        <p:spPr/>
+        <p:txBody>
+          <a:bodyPr/>
+          <a:lstStyle/>
+          <a:p>
+            <a:fld id="{3BB3C307-B990-AD4B-B50D-7E99B8F062FC}" type="datetime4">
+              <a:rPr lang="en-US" smtClean="0"/>
+              <a:t>May 2, 2022</a:t>
+            </a:fld>
+            <a:endParaRPr lang="en-US" dirty="0"/>
+          </a:p>
+        </p:txBody>
+      </p:sp>
+      <p:sp>
+        <p:nvSpPr>
+          <p:cNvPr id="5" name="Slide Number Placeholder 4">
+            <a:extLst>
+              <a:ext uri="{FF2B5EF4-FFF2-40B4-BE49-F238E27FC236}">
+                <a16:creationId xmlns:a16="http://schemas.microsoft.com/office/drawing/2014/main" id="{BDA6B267-E163-B80C-46EF-94954F74CA69}"/>
+              </a:ext>
+            </a:extLst>
+          </p:cNvPr>
+          <p:cNvSpPr>
+            <a:spLocks noGrp="1"/>
+          </p:cNvSpPr>
+          <p:nvPr>
+            <p:ph type="sldNum" sz="quarter" idx="12"/>
+          </p:nvPr>
+        </p:nvSpPr>
+        <p:spPr/>
+        <p:txBody>
+          <a:bodyPr/>
+          <a:lstStyle/>
+          <a:p>
+            <a:fld id="{FAA8105A-9F50-7A47-B22F-19856B84F6D6}" type="slidenum">
+              <a:rPr lang="en-US" smtClean="0"/>
+              <a:pPr/>
+              <a:t>‹#›</a:t>
+            </a:fld>
+            <a:endParaRPr lang="en-US"/>
+          </a:p>
+        </p:txBody>
+      </p:sp>
+    </p:spTree>
+    <p:extLst>
+      <p:ext uri="{BB962C8B-B14F-4D97-AF65-F5344CB8AC3E}">
+        <p14:creationId xmlns:p14="http://schemas.microsoft.com/office/powerpoint/2010/main" val="2036622662"/>
+      </p:ext>
+    </p:extLst>
+  </p:cSld>
+  <p:clrMapOvr>
+    <a:masterClrMapping/>
+  </p:clrMapOvr>
+</p:sldLayout>
+</file>
+
+<file path=ppt/slideLayouts/slideLayout11.xml><?xml version="1.0" encoding="utf-8"?>
+<p:sldLayout xmlns:a="http://schemas.openxmlformats.org/drawingml/2006/main" xmlns:r="http://schemas.openxmlformats.org/officeDocument/2006/relationships" xmlns:p="http://schemas.openxmlformats.org/presentationml/2006/main" preserve="1" userDrawn="1">
+  <p:cSld name="1_Blank">
+    <p:spTree>
+      <p:nvGrpSpPr>
+        <p:cNvPr id="1" name=""/>
+        <p:cNvGrpSpPr/>
+        <p:nvPr/>
+      </p:nvGrpSpPr>
+      <p:grpSpPr>
+        <a:xfrm>
+          <a:off x="0" y="0"/>
+          <a:ext cx="0" cy="0"/>
+          <a:chOff x="0" y="0"/>
+          <a:chExt cx="0" cy="0"/>
+        </a:xfrm>
+      </p:grpSpPr>
+      <p:sp>
+        <p:nvSpPr>
+          <p:cNvPr id="3" name="Date Placeholder 2">
+            <a:extLst>
+              <a:ext uri="{FF2B5EF4-FFF2-40B4-BE49-F238E27FC236}">
+                <a16:creationId xmlns:a16="http://schemas.microsoft.com/office/drawing/2014/main" id="{BC1BA2CA-43B7-CFEB-A82E-805086070579}"/>
+              </a:ext>
+            </a:extLst>
+          </p:cNvPr>
+          <p:cNvSpPr>
+            <a:spLocks noGrp="1"/>
+          </p:cNvSpPr>
+          <p:nvPr>
+            <p:ph type="dt" sz="half" idx="10"/>
+          </p:nvPr>
+        </p:nvSpPr>
+        <p:spPr/>
+        <p:txBody>
+          <a:bodyPr/>
+          <a:lstStyle/>
+          <a:p>
+            <a:fld id="{1E92ECB1-3895-4A4C-B4FA-05A9A99CBE2F}" type="datetime4">
+              <a:rPr lang="en-US" smtClean="0"/>
+              <a:t>May 2, 2022</a:t>
+            </a:fld>
+            <a:endParaRPr lang="en-US" dirty="0"/>
+          </a:p>
+        </p:txBody>
+      </p:sp>
+      <p:sp>
+        <p:nvSpPr>
+          <p:cNvPr id="4" name="Footer Placeholder 3">
+            <a:extLst>
+              <a:ext uri="{FF2B5EF4-FFF2-40B4-BE49-F238E27FC236}">
+                <a16:creationId xmlns:a16="http://schemas.microsoft.com/office/drawing/2014/main" id="{943D12E6-52D2-70A6-FF8A-7D3226905768}"/>
+              </a:ext>
+            </a:extLst>
+          </p:cNvPr>
+          <p:cNvSpPr>
+            <a:spLocks noGrp="1"/>
+          </p:cNvSpPr>
+          <p:nvPr>
+            <p:ph type="ftr" sz="quarter" idx="11"/>
+          </p:nvPr>
+        </p:nvSpPr>
+        <p:spPr/>
+        <p:txBody>
+          <a:bodyPr/>
+          <a:lstStyle/>
+          <a:p>
+            <a:r>
+              <a:rPr lang="en-US"/>
+              <a:t>Foot here</a:t>
+            </a:r>
+            <a:endParaRPr lang="en-US" dirty="0"/>
+          </a:p>
+        </p:txBody>
+      </p:sp>
+      <p:sp>
+        <p:nvSpPr>
+          <p:cNvPr id="7" name="Slide Number Placeholder 6">
+            <a:extLst>
+              <a:ext uri="{FF2B5EF4-FFF2-40B4-BE49-F238E27FC236}">
+                <a16:creationId xmlns:a16="http://schemas.microsoft.com/office/drawing/2014/main" id="{2DA264E2-CD46-217A-CB3F-C1B24128D6F8}"/>
+              </a:ext>
+            </a:extLst>
+          </p:cNvPr>
+          <p:cNvSpPr>
+            <a:spLocks noGrp="1"/>
+          </p:cNvSpPr>
+          <p:nvPr>
+            <p:ph type="sldNum" sz="quarter" idx="12"/>
+          </p:nvPr>
+        </p:nvSpPr>
+        <p:spPr/>
+        <p:txBody>
+          <a:bodyPr/>
+          <a:lstStyle/>
+          <a:p>
+            <a:fld id="{FAA8105A-9F50-7A47-B22F-19856B84F6D6}" type="slidenum">
+              <a:rPr lang="en-US" smtClean="0"/>
+              <a:pPr/>
+              <a:t>‹#›</a:t>
+            </a:fld>
+            <a:endParaRPr lang="en-US"/>
+          </a:p>
+        </p:txBody>
+      </p:sp>
+    </p:spTree>
+    <p:extLst>
+      <p:ext uri="{BB962C8B-B14F-4D97-AF65-F5344CB8AC3E}">
+        <p14:creationId xmlns:p14="http://schemas.microsoft.com/office/powerpoint/2010/main" val="2696761194"/>
       </p:ext>
     </p:extLst>
   </p:cSld>
@@ -1010,7 +1490,7 @@
           <a:p>
             <a:fld id="{712A4BAF-1559-C14F-9D4F-328F6206CD82}" type="datetime4">
               <a:rPr lang="en-US" smtClean="0"/>
-              <a:t>May 1, 2022</a:t>
+              <a:t>May 2, 2022</a:t>
             </a:fld>
             <a:endParaRPr lang="en-US" dirty="0"/>
           </a:p>
@@ -1078,7 +1558,7 @@
     </p:spTree>
     <p:extLst>
       <p:ext uri="{BB962C8B-B14F-4D97-AF65-F5344CB8AC3E}">
-        <p14:creationId xmlns:p14="http://schemas.microsoft.com/office/powerpoint/2010/main" val="3885750992"/>
+        <p14:creationId xmlns:p14="http://schemas.microsoft.com/office/powerpoint/2010/main" val="3096325164"/>
       </p:ext>
     </p:extLst>
   </p:cSld>
@@ -1281,7 +1761,7 @@
           <a:p>
             <a:fld id="{24348C99-19A0-7840-AEE5-660ED0FD4BD4}" type="datetime4">
               <a:rPr lang="en-US" smtClean="0"/>
-              <a:t>May 1, 2022</a:t>
+              <a:t>May 2, 2022</a:t>
             </a:fld>
             <a:endParaRPr lang="en-US" dirty="0"/>
           </a:p>
@@ -1349,7 +1829,7 @@
     </p:spTree>
     <p:extLst>
       <p:ext uri="{BB962C8B-B14F-4D97-AF65-F5344CB8AC3E}">
-        <p14:creationId xmlns:p14="http://schemas.microsoft.com/office/powerpoint/2010/main" val="1589227944"/>
+        <p14:creationId xmlns:p14="http://schemas.microsoft.com/office/powerpoint/2010/main" val="2660991976"/>
       </p:ext>
     </p:extLst>
   </p:cSld>
@@ -1360,7 +1840,7 @@
 </file>
 
 <file path=ppt/slideLayouts/slideLayout4.xml><?xml version="1.0" encoding="utf-8"?>
-<p:sldLayout xmlns:a="http://schemas.openxmlformats.org/drawingml/2006/main" xmlns:r="http://schemas.openxmlformats.org/officeDocument/2006/relationships" xmlns:p="http://schemas.openxmlformats.org/presentationml/2006/main" preserve="1" userDrawn="1">
+<p:sldLayout xmlns:a="http://schemas.openxmlformats.org/drawingml/2006/main" xmlns:r="http://schemas.openxmlformats.org/officeDocument/2006/relationships" xmlns:p="http://schemas.openxmlformats.org/presentationml/2006/main" preserve="1">
   <p:cSld name="Comparison">
     <p:spTree>
       <p:nvGrpSpPr>
@@ -1394,7 +1874,7 @@
         </p:nvSpPr>
         <p:spPr>
           <a:xfrm>
-            <a:off x="839788" y="1681163"/>
+            <a:off x="839788" y="1309205"/>
             <a:ext cx="5157787" cy="823912"/>
           </a:xfrm>
         </p:spPr>
@@ -1467,7 +1947,7 @@
         </p:nvSpPr>
         <p:spPr>
           <a:xfrm>
-            <a:off x="839788" y="2505075"/>
+            <a:off x="839788" y="2133117"/>
             <a:ext cx="5157787" cy="3684588"/>
           </a:xfrm>
         </p:spPr>
@@ -1530,7 +2010,7 @@
         </p:nvSpPr>
         <p:spPr>
           <a:xfrm>
-            <a:off x="6172200" y="1681163"/>
+            <a:off x="6172200" y="1309205"/>
             <a:ext cx="5183188" cy="823912"/>
           </a:xfrm>
         </p:spPr>
@@ -1603,7 +2083,7 @@
         </p:nvSpPr>
         <p:spPr>
           <a:xfrm>
-            <a:off x="6172200" y="2505075"/>
+            <a:off x="6172200" y="2133117"/>
             <a:ext cx="5183188" cy="3684588"/>
           </a:xfrm>
         </p:spPr>
@@ -1712,7 +2192,7 @@
           <a:p>
             <a:fld id="{D49DC1BE-E9A7-5149-938F-8AC72CA20F58}" type="datetime4">
               <a:rPr lang="en-US" smtClean="0"/>
-              <a:t>May 1, 2022</a:t>
+              <a:t>May 2, 2022</a:t>
             </a:fld>
             <a:endParaRPr lang="en-US" dirty="0"/>
           </a:p>
@@ -1780,7 +2260,7 @@
     </p:spTree>
     <p:extLst>
       <p:ext uri="{BB962C8B-B14F-4D97-AF65-F5344CB8AC3E}">
-        <p14:creationId xmlns:p14="http://schemas.microsoft.com/office/powerpoint/2010/main" val="3163684847"/>
+        <p14:creationId xmlns:p14="http://schemas.microsoft.com/office/powerpoint/2010/main" val="999612007"/>
       </p:ext>
     </p:extLst>
   </p:cSld>
@@ -1791,7 +2271,7 @@
 </file>
 
 <file path=ppt/slideLayouts/slideLayout5.xml><?xml version="1.0" encoding="utf-8"?>
-<p:sldLayout xmlns:a="http://schemas.openxmlformats.org/drawingml/2006/main" xmlns:r="http://schemas.openxmlformats.org/officeDocument/2006/relationships" xmlns:p="http://schemas.openxmlformats.org/presentationml/2006/main" preserve="1" userDrawn="1">
+<p:sldLayout xmlns:a="http://schemas.openxmlformats.org/drawingml/2006/main" xmlns:r="http://schemas.openxmlformats.org/officeDocument/2006/relationships" xmlns:p="http://schemas.openxmlformats.org/presentationml/2006/main" preserve="1">
   <p:cSld name="Title Only">
     <p:spTree>
       <p:nvGrpSpPr>
@@ -1859,7 +2339,7 @@
           <a:p>
             <a:fld id="{43891420-0630-9649-B3ED-E8C37B93454A}" type="datetime4">
               <a:rPr lang="en-US" smtClean="0"/>
-              <a:t>May 1, 2022</a:t>
+              <a:t>May 2, 2022</a:t>
             </a:fld>
             <a:endParaRPr lang="en-US" dirty="0"/>
           </a:p>
@@ -1927,7 +2407,7 @@
     </p:spTree>
     <p:extLst>
       <p:ext uri="{BB962C8B-B14F-4D97-AF65-F5344CB8AC3E}">
-        <p14:creationId xmlns:p14="http://schemas.microsoft.com/office/powerpoint/2010/main" val="2588119367"/>
+        <p14:creationId xmlns:p14="http://schemas.microsoft.com/office/powerpoint/2010/main" val="2027167179"/>
       </p:ext>
     </p:extLst>
   </p:cSld>
@@ -1938,153 +2418,7 @@
 </file>
 
 <file path=ppt/slideLayouts/slideLayout6.xml><?xml version="1.0" encoding="utf-8"?>
-<p:sldLayout xmlns:a="http://schemas.openxmlformats.org/drawingml/2006/main" xmlns:r="http://schemas.openxmlformats.org/officeDocument/2006/relationships" xmlns:p="http://schemas.openxmlformats.org/presentationml/2006/main" preserve="1" userDrawn="1">
-  <p:cSld name="Custom Layout">
-    <p:spTree>
-      <p:nvGrpSpPr>
-        <p:cNvPr id="1" name=""/>
-        <p:cNvGrpSpPr/>
-        <p:nvPr/>
-      </p:nvGrpSpPr>
-      <p:grpSpPr>
-        <a:xfrm>
-          <a:off x="0" y="0"/>
-          <a:ext cx="0" cy="0"/>
-          <a:chOff x="0" y="0"/>
-          <a:chExt cx="0" cy="0"/>
-        </a:xfrm>
-      </p:grpSpPr>
-      <p:sp>
-        <p:nvSpPr>
-          <p:cNvPr id="2" name="Title 1">
-            <a:extLst>
-              <a:ext uri="{FF2B5EF4-FFF2-40B4-BE49-F238E27FC236}">
-                <a16:creationId xmlns:a16="http://schemas.microsoft.com/office/drawing/2014/main" id="{3BD84286-880B-57FC-DB81-FFF3401CBC7F}"/>
-              </a:ext>
-            </a:extLst>
-          </p:cNvPr>
-          <p:cNvSpPr>
-            <a:spLocks noGrp="1"/>
-          </p:cNvSpPr>
-          <p:nvPr>
-            <p:ph type="title"/>
-          </p:nvPr>
-        </p:nvSpPr>
-        <p:spPr/>
-        <p:txBody>
-          <a:bodyPr/>
-          <a:lstStyle/>
-          <a:p>
-            <a:r>
-              <a:rPr lang="en-US"/>
-              <a:t>Click to edit Master title style</a:t>
-            </a:r>
-          </a:p>
-        </p:txBody>
-      </p:sp>
-      <p:sp>
-        <p:nvSpPr>
-          <p:cNvPr id="3" name="Footer Placeholder 2">
-            <a:extLst>
-              <a:ext uri="{FF2B5EF4-FFF2-40B4-BE49-F238E27FC236}">
-                <a16:creationId xmlns:a16="http://schemas.microsoft.com/office/drawing/2014/main" id="{2D675FE2-4B4A-D8D3-B2FA-EB014F9C6D3F}"/>
-              </a:ext>
-            </a:extLst>
-          </p:cNvPr>
-          <p:cNvSpPr>
-            <a:spLocks noGrp="1"/>
-          </p:cNvSpPr>
-          <p:nvPr>
-            <p:ph type="ftr" sz="quarter" idx="10"/>
-          </p:nvPr>
-        </p:nvSpPr>
-        <p:spPr/>
-        <p:txBody>
-          <a:bodyPr/>
-          <a:lstStyle/>
-          <a:p>
-            <a:r>
-              <a:rPr lang="en-US"/>
-              <a:t>Foot here</a:t>
-            </a:r>
-            <a:endParaRPr lang="en-US" dirty="0"/>
-          </a:p>
-        </p:txBody>
-      </p:sp>
-      <p:sp>
-        <p:nvSpPr>
-          <p:cNvPr id="4" name="Date Placeholder 3">
-            <a:extLst>
-              <a:ext uri="{FF2B5EF4-FFF2-40B4-BE49-F238E27FC236}">
-                <a16:creationId xmlns:a16="http://schemas.microsoft.com/office/drawing/2014/main" id="{C7377FF6-35FE-31D5-39BB-AE226A2B7788}"/>
-              </a:ext>
-            </a:extLst>
-          </p:cNvPr>
-          <p:cNvSpPr>
-            <a:spLocks noGrp="1"/>
-          </p:cNvSpPr>
-          <p:nvPr>
-            <p:ph type="dt" sz="half" idx="11"/>
-          </p:nvPr>
-        </p:nvSpPr>
-        <p:spPr/>
-        <p:txBody>
-          <a:bodyPr/>
-          <a:lstStyle/>
-          <a:p>
-            <a:fld id="{3BB3C307-B990-AD4B-B50D-7E99B8F062FC}" type="datetime4">
-              <a:rPr lang="en-US" smtClean="0"/>
-              <a:t>May 1, 2022</a:t>
-            </a:fld>
-            <a:endParaRPr lang="en-US" dirty="0"/>
-          </a:p>
-        </p:txBody>
-      </p:sp>
-      <p:sp>
-        <p:nvSpPr>
-          <p:cNvPr id="5" name="Slide Number Placeholder 4">
-            <a:extLst>
-              <a:ext uri="{FF2B5EF4-FFF2-40B4-BE49-F238E27FC236}">
-                <a16:creationId xmlns:a16="http://schemas.microsoft.com/office/drawing/2014/main" id="{BDA6B267-E163-B80C-46EF-94954F74CA69}"/>
-              </a:ext>
-            </a:extLst>
-          </p:cNvPr>
-          <p:cNvSpPr>
-            <a:spLocks noGrp="1"/>
-          </p:cNvSpPr>
-          <p:nvPr>
-            <p:ph type="sldNum" sz="quarter" idx="12"/>
-          </p:nvPr>
-        </p:nvSpPr>
-        <p:spPr/>
-        <p:txBody>
-          <a:bodyPr/>
-          <a:lstStyle/>
-          <a:p>
-            <a:fld id="{FAA8105A-9F50-7A47-B22F-19856B84F6D6}" type="slidenum">
-              <a:rPr lang="en-US" smtClean="0"/>
-              <a:pPr/>
-              <a:t>‹#›</a:t>
-            </a:fld>
-            <a:endParaRPr lang="en-US"/>
-          </a:p>
-        </p:txBody>
-      </p:sp>
-    </p:spTree>
-    <p:extLst>
-      <p:ext uri="{BB962C8B-B14F-4D97-AF65-F5344CB8AC3E}">
-        <p14:creationId xmlns:p14="http://schemas.microsoft.com/office/powerpoint/2010/main" val="2036622662"/>
-      </p:ext>
-    </p:extLst>
-  </p:cSld>
-  <p:clrMapOvr>
-    <a:masterClrMapping/>
-  </p:clrMapOvr>
-</p:sldLayout>
-</file>
-
-<file path=ppt/slideLayouts/slideLayout7.xml><?xml version="1.0" encoding="utf-8"?>
-<p:sldLayout xmlns:a="http://schemas.openxmlformats.org/drawingml/2006/main" xmlns:r="http://schemas.openxmlformats.org/officeDocument/2006/relationships" xmlns:p="http://schemas.openxmlformats.org/presentationml/2006/main" preserve="1" userDrawn="1">
+<p:sldLayout xmlns:a="http://schemas.openxmlformats.org/drawingml/2006/main" xmlns:r="http://schemas.openxmlformats.org/officeDocument/2006/relationships" xmlns:p="http://schemas.openxmlformats.org/presentationml/2006/main" preserve="1">
   <p:cSld name="Blank">
     <p:spTree>
       <p:nvGrpSpPr>
@@ -2123,7 +2457,7 @@
           <a:p>
             <a:fld id="{1E92ECB1-3895-4A4C-B4FA-05A9A99CBE2F}" type="datetime4">
               <a:rPr lang="en-US" smtClean="0"/>
-              <a:t>May 1, 2022</a:t>
+              <a:t>May 2, 2022</a:t>
             </a:fld>
             <a:endParaRPr lang="en-US" dirty="0"/>
           </a:p>
@@ -2191,7 +2525,1001 @@
     </p:spTree>
     <p:extLst>
       <p:ext uri="{BB962C8B-B14F-4D97-AF65-F5344CB8AC3E}">
-        <p14:creationId xmlns:p14="http://schemas.microsoft.com/office/powerpoint/2010/main" val="2696761194"/>
+        <p14:creationId xmlns:p14="http://schemas.microsoft.com/office/powerpoint/2010/main" val="953005421"/>
+      </p:ext>
+    </p:extLst>
+  </p:cSld>
+  <p:clrMapOvr>
+    <a:masterClrMapping/>
+  </p:clrMapOvr>
+</p:sldLayout>
+</file>
+
+<file path=ppt/slideLayouts/slideLayout7.xml><?xml version="1.0" encoding="utf-8"?>
+<p:sldLayout xmlns:a="http://schemas.openxmlformats.org/drawingml/2006/main" xmlns:r="http://schemas.openxmlformats.org/officeDocument/2006/relationships" xmlns:p="http://schemas.openxmlformats.org/presentationml/2006/main" preserve="1" userDrawn="1">
+  <p:cSld name="1_Title Slide">
+    <p:spTree>
+      <p:nvGrpSpPr>
+        <p:cNvPr id="1" name=""/>
+        <p:cNvGrpSpPr/>
+        <p:nvPr/>
+      </p:nvGrpSpPr>
+      <p:grpSpPr>
+        <a:xfrm>
+          <a:off x="0" y="0"/>
+          <a:ext cx="0" cy="0"/>
+          <a:chOff x="0" y="0"/>
+          <a:chExt cx="0" cy="0"/>
+        </a:xfrm>
+      </p:grpSpPr>
+      <p:sp>
+        <p:nvSpPr>
+          <p:cNvPr id="9" name="Subtitle 2">
+            <a:extLst>
+              <a:ext uri="{FF2B5EF4-FFF2-40B4-BE49-F238E27FC236}">
+                <a16:creationId xmlns:a16="http://schemas.microsoft.com/office/drawing/2014/main" id="{718AE611-130E-0D2E-E802-8A36716DB9FC}"/>
+              </a:ext>
+            </a:extLst>
+          </p:cNvPr>
+          <p:cNvSpPr txBox="1">
+            <a:spLocks/>
+          </p:cNvSpPr>
+          <p:nvPr userDrawn="1"/>
+        </p:nvSpPr>
+        <p:spPr>
+          <a:xfrm>
+            <a:off x="1523999" y="3556001"/>
+            <a:ext cx="9144000" cy="576066"/>
+          </a:xfrm>
+          <a:prstGeom prst="rect">
+            <a:avLst/>
+          </a:prstGeom>
+        </p:spPr>
+        <p:txBody>
+          <a:bodyPr vert="horz" lIns="91440" tIns="45720" rIns="91440" bIns="45720" rtlCol="0" anchor="ctr">
+            <a:normAutofit/>
+          </a:bodyPr>
+          <a:lstStyle>
+            <a:lvl1pPr marL="0" indent="0" algn="ctr" defTabSz="914400" rtl="0" eaLnBrk="1" latinLnBrk="0" hangingPunct="1">
+              <a:lnSpc>
+                <a:spcPct val="90000"/>
+              </a:lnSpc>
+              <a:spcBef>
+                <a:spcPts val="1000"/>
+              </a:spcBef>
+              <a:buClr>
+                <a:srgbClr val="C00000"/>
+              </a:buClr>
+              <a:buSzPct val="120000"/>
+              <a:buFont typeface="Wingdings" panose="05000000000000000000" pitchFamily="2" charset="2"/>
+              <a:buNone/>
+              <a:defRPr sz="2800" kern="1200">
+                <a:solidFill>
+                  <a:schemeClr val="tx1"/>
+                </a:solidFill>
+                <a:latin typeface="CMU Sans Serif Medium" panose="02000603000000000000" pitchFamily="2" charset="0"/>
+                <a:ea typeface="CMU Sans Serif Medium" panose="02000603000000000000" pitchFamily="2" charset="0"/>
+                <a:cs typeface="CMU Sans Serif Medium" panose="02000603000000000000" pitchFamily="2" charset="0"/>
+              </a:defRPr>
+            </a:lvl1pPr>
+            <a:lvl2pPr marL="457200" indent="0" algn="ctr" defTabSz="914400" rtl="0" eaLnBrk="1" latinLnBrk="0" hangingPunct="1">
+              <a:lnSpc>
+                <a:spcPct val="70000"/>
+              </a:lnSpc>
+              <a:spcBef>
+                <a:spcPts val="600"/>
+              </a:spcBef>
+              <a:buClr>
+                <a:srgbClr val="C00000"/>
+              </a:buClr>
+              <a:buSzPct val="120000"/>
+              <a:buFont typeface="Wingdings" panose="05000000000000000000" pitchFamily="2" charset="2"/>
+              <a:buNone/>
+              <a:defRPr sz="2000" kern="1200">
+                <a:solidFill>
+                  <a:schemeClr val="tx1"/>
+                </a:solidFill>
+                <a:latin typeface="CMU Sans Serif Medium" panose="02000603000000000000" pitchFamily="2" charset="0"/>
+                <a:ea typeface="CMU Sans Serif Medium" panose="02000603000000000000" pitchFamily="2" charset="0"/>
+                <a:cs typeface="CMU Sans Serif Medium" panose="02000603000000000000" pitchFamily="2" charset="0"/>
+              </a:defRPr>
+            </a:lvl2pPr>
+            <a:lvl3pPr marL="914400" indent="0" algn="ctr" defTabSz="914400" rtl="0" eaLnBrk="1" latinLnBrk="0" hangingPunct="1">
+              <a:lnSpc>
+                <a:spcPct val="90000"/>
+              </a:lnSpc>
+              <a:spcBef>
+                <a:spcPts val="500"/>
+              </a:spcBef>
+              <a:buClr>
+                <a:srgbClr val="C00000"/>
+              </a:buClr>
+              <a:buSzPct val="120000"/>
+              <a:buFont typeface="Wingdings" panose="05000000000000000000" pitchFamily="2" charset="2"/>
+              <a:buNone/>
+              <a:defRPr sz="1800" kern="1200">
+                <a:solidFill>
+                  <a:schemeClr val="tx1"/>
+                </a:solidFill>
+                <a:latin typeface="CMU Sans Serif Medium" panose="02000603000000000000" pitchFamily="2" charset="0"/>
+                <a:ea typeface="CMU Sans Serif Medium" panose="02000603000000000000" pitchFamily="2" charset="0"/>
+                <a:cs typeface="CMU Sans Serif Medium" panose="02000603000000000000" pitchFamily="2" charset="0"/>
+              </a:defRPr>
+            </a:lvl3pPr>
+            <a:lvl4pPr marL="1371600" indent="0" algn="ctr" defTabSz="914400" rtl="0" eaLnBrk="1" latinLnBrk="0" hangingPunct="1">
+              <a:lnSpc>
+                <a:spcPct val="90000"/>
+              </a:lnSpc>
+              <a:spcBef>
+                <a:spcPts val="500"/>
+              </a:spcBef>
+              <a:buClr>
+                <a:srgbClr val="C00000"/>
+              </a:buClr>
+              <a:buSzPct val="120000"/>
+              <a:buFont typeface="Wingdings" panose="05000000000000000000" pitchFamily="2" charset="2"/>
+              <a:buNone/>
+              <a:defRPr sz="1600" kern="1200">
+                <a:solidFill>
+                  <a:schemeClr val="tx1"/>
+                </a:solidFill>
+                <a:latin typeface="CMU Sans Serif Medium" panose="02000603000000000000" pitchFamily="2" charset="0"/>
+                <a:ea typeface="CMU Sans Serif Medium" panose="02000603000000000000" pitchFamily="2" charset="0"/>
+                <a:cs typeface="CMU Sans Serif Medium" panose="02000603000000000000" pitchFamily="2" charset="0"/>
+              </a:defRPr>
+            </a:lvl4pPr>
+            <a:lvl5pPr marL="1828800" indent="0" algn="ctr" defTabSz="914400" rtl="0" eaLnBrk="1" latinLnBrk="0" hangingPunct="1">
+              <a:lnSpc>
+                <a:spcPct val="90000"/>
+              </a:lnSpc>
+              <a:spcBef>
+                <a:spcPts val="500"/>
+              </a:spcBef>
+              <a:buClr>
+                <a:srgbClr val="C00000"/>
+              </a:buClr>
+              <a:buSzPct val="120000"/>
+              <a:buFont typeface="Wingdings" panose="05000000000000000000" pitchFamily="2" charset="2"/>
+              <a:buNone/>
+              <a:defRPr sz="1600" kern="1200">
+                <a:solidFill>
+                  <a:schemeClr val="tx1"/>
+                </a:solidFill>
+                <a:latin typeface="CMU Sans Serif Medium" panose="02000603000000000000" pitchFamily="2" charset="0"/>
+                <a:ea typeface="CMU Sans Serif Medium" panose="02000603000000000000" pitchFamily="2" charset="0"/>
+                <a:cs typeface="CMU Sans Serif Medium" panose="02000603000000000000" pitchFamily="2" charset="0"/>
+              </a:defRPr>
+            </a:lvl5pPr>
+            <a:lvl6pPr marL="2286000" indent="0" algn="ctr" defTabSz="914400" rtl="0" eaLnBrk="1" latinLnBrk="0" hangingPunct="1">
+              <a:lnSpc>
+                <a:spcPct val="90000"/>
+              </a:lnSpc>
+              <a:spcBef>
+                <a:spcPts val="500"/>
+              </a:spcBef>
+              <a:buFont typeface="Arial" panose="020B0604020202020204" pitchFamily="34" charset="0"/>
+              <a:buNone/>
+              <a:defRPr sz="1600" kern="1200">
+                <a:solidFill>
+                  <a:schemeClr val="tx1"/>
+                </a:solidFill>
+                <a:latin typeface="+mn-lt"/>
+                <a:ea typeface="+mn-ea"/>
+                <a:cs typeface="+mn-cs"/>
+              </a:defRPr>
+            </a:lvl6pPr>
+            <a:lvl7pPr marL="2743200" indent="0" algn="ctr" defTabSz="914400" rtl="0" eaLnBrk="1" latinLnBrk="0" hangingPunct="1">
+              <a:lnSpc>
+                <a:spcPct val="90000"/>
+              </a:lnSpc>
+              <a:spcBef>
+                <a:spcPts val="500"/>
+              </a:spcBef>
+              <a:buFont typeface="Arial" panose="020B0604020202020204" pitchFamily="34" charset="0"/>
+              <a:buNone/>
+              <a:defRPr sz="1600" kern="1200">
+                <a:solidFill>
+                  <a:schemeClr val="tx1"/>
+                </a:solidFill>
+                <a:latin typeface="+mn-lt"/>
+                <a:ea typeface="+mn-ea"/>
+                <a:cs typeface="+mn-cs"/>
+              </a:defRPr>
+            </a:lvl7pPr>
+            <a:lvl8pPr marL="3200400" indent="0" algn="ctr" defTabSz="914400" rtl="0" eaLnBrk="1" latinLnBrk="0" hangingPunct="1">
+              <a:lnSpc>
+                <a:spcPct val="90000"/>
+              </a:lnSpc>
+              <a:spcBef>
+                <a:spcPts val="500"/>
+              </a:spcBef>
+              <a:buFont typeface="Arial" panose="020B0604020202020204" pitchFamily="34" charset="0"/>
+              <a:buNone/>
+              <a:defRPr sz="1600" kern="1200">
+                <a:solidFill>
+                  <a:schemeClr val="tx1"/>
+                </a:solidFill>
+                <a:latin typeface="+mn-lt"/>
+                <a:ea typeface="+mn-ea"/>
+                <a:cs typeface="+mn-cs"/>
+              </a:defRPr>
+            </a:lvl8pPr>
+            <a:lvl9pPr marL="3657600" indent="0" algn="ctr" defTabSz="914400" rtl="0" eaLnBrk="1" latinLnBrk="0" hangingPunct="1">
+              <a:lnSpc>
+                <a:spcPct val="90000"/>
+              </a:lnSpc>
+              <a:spcBef>
+                <a:spcPts val="500"/>
+              </a:spcBef>
+              <a:buFont typeface="Arial" panose="020B0604020202020204" pitchFamily="34" charset="0"/>
+              <a:buNone/>
+              <a:defRPr sz="1600" kern="1200">
+                <a:solidFill>
+                  <a:schemeClr val="tx1"/>
+                </a:solidFill>
+                <a:latin typeface="+mn-lt"/>
+                <a:ea typeface="+mn-ea"/>
+                <a:cs typeface="+mn-cs"/>
+              </a:defRPr>
+            </a:lvl9pPr>
+          </a:lstStyle>
+          <a:p>
+            <a:endParaRPr lang="en-US" sz="2000" dirty="0"/>
+          </a:p>
+        </p:txBody>
+      </p:sp>
+      <p:sp>
+        <p:nvSpPr>
+          <p:cNvPr id="14" name="Title 13">
+            <a:extLst>
+              <a:ext uri="{FF2B5EF4-FFF2-40B4-BE49-F238E27FC236}">
+                <a16:creationId xmlns:a16="http://schemas.microsoft.com/office/drawing/2014/main" id="{64CE541A-6BE9-11BD-EA23-8EFFEB671B88}"/>
+              </a:ext>
+            </a:extLst>
+          </p:cNvPr>
+          <p:cNvSpPr>
+            <a:spLocks noGrp="1"/>
+          </p:cNvSpPr>
+          <p:nvPr>
+            <p:ph type="title"/>
+          </p:nvPr>
+        </p:nvSpPr>
+        <p:spPr>
+          <a:xfrm>
+            <a:off x="644011" y="779558"/>
+            <a:ext cx="10903974" cy="1563935"/>
+          </a:xfrm>
+          <a:prstGeom prst="roundRect">
+            <a:avLst/>
+          </a:prstGeom>
+          <a:solidFill>
+            <a:schemeClr val="accent1"/>
+          </a:solidFill>
+          <a:effectLst>
+            <a:outerShdw blurRad="152400" dist="177800" dir="2700000" algn="tl" rotWithShape="0">
+              <a:prstClr val="black">
+                <a:alpha val="28000"/>
+              </a:prstClr>
+            </a:outerShdw>
+          </a:effectLst>
+        </p:spPr>
+        <p:txBody>
+          <a:bodyPr/>
+          <a:lstStyle>
+            <a:lvl1pPr algn="ctr">
+              <a:defRPr/>
+            </a:lvl1pPr>
+          </a:lstStyle>
+          <a:p>
+            <a:r>
+              <a:rPr lang="en-US"/>
+              <a:t>Click to edit Master title style</a:t>
+            </a:r>
+            <a:endParaRPr lang="en-US" dirty="0"/>
+          </a:p>
+        </p:txBody>
+      </p:sp>
+      <p:sp>
+        <p:nvSpPr>
+          <p:cNvPr id="20" name="Text Placeholder 19">
+            <a:extLst>
+              <a:ext uri="{FF2B5EF4-FFF2-40B4-BE49-F238E27FC236}">
+                <a16:creationId xmlns:a16="http://schemas.microsoft.com/office/drawing/2014/main" id="{A4B9EEEA-4E55-EBA2-FD56-C7F246D4D44C}"/>
+              </a:ext>
+            </a:extLst>
+          </p:cNvPr>
+          <p:cNvSpPr>
+            <a:spLocks noGrp="1"/>
+          </p:cNvSpPr>
+          <p:nvPr>
+            <p:ph type="body" sz="quarter" idx="13" hasCustomPrompt="1"/>
+          </p:nvPr>
+        </p:nvSpPr>
+        <p:spPr>
+          <a:xfrm>
+            <a:off x="2081211" y="2875826"/>
+            <a:ext cx="8029575" cy="888432"/>
+          </a:xfrm>
+        </p:spPr>
+        <p:txBody>
+          <a:bodyPr/>
+          <a:lstStyle>
+            <a:lvl1pPr marL="0" indent="0" algn="ctr">
+              <a:buNone/>
+              <a:defRPr/>
+            </a:lvl1pPr>
+          </a:lstStyle>
+          <a:p>
+            <a:pPr lvl="0"/>
+            <a:r>
+              <a:rPr lang="en-US" dirty="0"/>
+              <a:t>Your name here</a:t>
+            </a:r>
+          </a:p>
+        </p:txBody>
+      </p:sp>
+      <p:sp>
+        <p:nvSpPr>
+          <p:cNvPr id="21" name="Text Placeholder 19">
+            <a:extLst>
+              <a:ext uri="{FF2B5EF4-FFF2-40B4-BE49-F238E27FC236}">
+                <a16:creationId xmlns:a16="http://schemas.microsoft.com/office/drawing/2014/main" id="{B7712E16-869E-C669-4D08-61CB38A952EC}"/>
+              </a:ext>
+            </a:extLst>
+          </p:cNvPr>
+          <p:cNvSpPr>
+            <a:spLocks noGrp="1"/>
+          </p:cNvSpPr>
+          <p:nvPr>
+            <p:ph type="body" sz="quarter" idx="14" hasCustomPrompt="1"/>
+          </p:nvPr>
+        </p:nvSpPr>
+        <p:spPr>
+          <a:xfrm>
+            <a:off x="2081211" y="4016919"/>
+            <a:ext cx="8029574" cy="1162300"/>
+          </a:xfrm>
+        </p:spPr>
+        <p:txBody>
+          <a:bodyPr>
+            <a:normAutofit/>
+          </a:bodyPr>
+          <a:lstStyle>
+            <a:lvl1pPr marL="0" indent="0" algn="ctr">
+              <a:buNone/>
+              <a:defRPr sz="2000"/>
+            </a:lvl1pPr>
+          </a:lstStyle>
+          <a:p>
+            <a:pPr lvl="0"/>
+            <a:r>
+              <a:rPr lang="en-US" dirty="0"/>
+              <a:t>Your Institution here</a:t>
+            </a:r>
+          </a:p>
+        </p:txBody>
+      </p:sp>
+      <p:sp>
+        <p:nvSpPr>
+          <p:cNvPr id="22" name="Text Placeholder 19">
+            <a:extLst>
+              <a:ext uri="{FF2B5EF4-FFF2-40B4-BE49-F238E27FC236}">
+                <a16:creationId xmlns:a16="http://schemas.microsoft.com/office/drawing/2014/main" id="{F3E5E026-FF93-380A-0369-EE921FD448E8}"/>
+              </a:ext>
+            </a:extLst>
+          </p:cNvPr>
+          <p:cNvSpPr>
+            <a:spLocks noGrp="1"/>
+          </p:cNvSpPr>
+          <p:nvPr>
+            <p:ph type="body" sz="quarter" idx="15" hasCustomPrompt="1"/>
+          </p:nvPr>
+        </p:nvSpPr>
+        <p:spPr>
+          <a:xfrm>
+            <a:off x="2081211" y="5446367"/>
+            <a:ext cx="8029574" cy="807245"/>
+          </a:xfrm>
+        </p:spPr>
+        <p:txBody>
+          <a:bodyPr/>
+          <a:lstStyle>
+            <a:lvl1pPr marL="0" indent="0" algn="ctr">
+              <a:buNone/>
+              <a:defRPr/>
+            </a:lvl1pPr>
+          </a:lstStyle>
+          <a:p>
+            <a:pPr lvl="0"/>
+            <a:r>
+              <a:rPr lang="en-US" dirty="0"/>
+              <a:t>Date</a:t>
+            </a:r>
+          </a:p>
+        </p:txBody>
+      </p:sp>
+    </p:spTree>
+    <p:extLst>
+      <p:ext uri="{BB962C8B-B14F-4D97-AF65-F5344CB8AC3E}">
+        <p14:creationId xmlns:p14="http://schemas.microsoft.com/office/powerpoint/2010/main" val="3277768662"/>
+      </p:ext>
+    </p:extLst>
+  </p:cSld>
+  <p:clrMapOvr>
+    <a:masterClrMapping/>
+  </p:clrMapOvr>
+</p:sldLayout>
+</file>
+
+<file path=ppt/slideLayouts/slideLayout8.xml><?xml version="1.0" encoding="utf-8"?>
+<p:sldLayout xmlns:a="http://schemas.openxmlformats.org/drawingml/2006/main" xmlns:r="http://schemas.openxmlformats.org/officeDocument/2006/relationships" xmlns:p="http://schemas.openxmlformats.org/presentationml/2006/main" preserve="1" userDrawn="1">
+  <p:cSld name="1_Comparison">
+    <p:spTree>
+      <p:nvGrpSpPr>
+        <p:cNvPr id="1" name=""/>
+        <p:cNvGrpSpPr/>
+        <p:nvPr/>
+      </p:nvGrpSpPr>
+      <p:grpSpPr>
+        <a:xfrm>
+          <a:off x="0" y="0"/>
+          <a:ext cx="0" cy="0"/>
+          <a:chOff x="0" y="0"/>
+          <a:chExt cx="0" cy="0"/>
+        </a:xfrm>
+      </p:grpSpPr>
+      <p:sp>
+        <p:nvSpPr>
+          <p:cNvPr id="3" name="Text Placeholder 2">
+            <a:extLst>
+              <a:ext uri="{FF2B5EF4-FFF2-40B4-BE49-F238E27FC236}">
+                <a16:creationId xmlns:a16="http://schemas.microsoft.com/office/drawing/2014/main" id="{A2B740E5-4C34-4241-9607-30A57A5EFA99}"/>
+              </a:ext>
+            </a:extLst>
+          </p:cNvPr>
+          <p:cNvSpPr>
+            <a:spLocks noGrp="1"/>
+          </p:cNvSpPr>
+          <p:nvPr>
+            <p:ph type="body" idx="1"/>
+          </p:nvPr>
+        </p:nvSpPr>
+        <p:spPr>
+          <a:xfrm>
+            <a:off x="839788" y="1681163"/>
+            <a:ext cx="5157787" cy="823912"/>
+          </a:xfrm>
+        </p:spPr>
+        <p:txBody>
+          <a:bodyPr anchor="b">
+            <a:normAutofit/>
+          </a:bodyPr>
+          <a:lstStyle>
+            <a:lvl1pPr marL="0" indent="0">
+              <a:buNone/>
+              <a:defRPr sz="2800" b="1"/>
+            </a:lvl1pPr>
+            <a:lvl2pPr marL="457200" indent="0">
+              <a:buNone/>
+              <a:defRPr sz="2000" b="1"/>
+            </a:lvl2pPr>
+            <a:lvl3pPr marL="914400" indent="0">
+              <a:buNone/>
+              <a:defRPr sz="1800" b="1"/>
+            </a:lvl3pPr>
+            <a:lvl4pPr marL="1371600" indent="0">
+              <a:buNone/>
+              <a:defRPr sz="1600" b="1"/>
+            </a:lvl4pPr>
+            <a:lvl5pPr marL="1828800" indent="0">
+              <a:buNone/>
+              <a:defRPr sz="1600" b="1"/>
+            </a:lvl5pPr>
+            <a:lvl6pPr marL="2286000" indent="0">
+              <a:buNone/>
+              <a:defRPr sz="1600" b="1"/>
+            </a:lvl6pPr>
+            <a:lvl7pPr marL="2743200" indent="0">
+              <a:buNone/>
+              <a:defRPr sz="1600" b="1"/>
+            </a:lvl7pPr>
+            <a:lvl8pPr marL="3200400" indent="0">
+              <a:buNone/>
+              <a:defRPr sz="1600" b="1"/>
+            </a:lvl8pPr>
+            <a:lvl9pPr marL="3657600" indent="0">
+              <a:buNone/>
+              <a:defRPr sz="1600" b="1"/>
+            </a:lvl9pPr>
+          </a:lstStyle>
+          <a:p>
+            <a:pPr lvl="0"/>
+            <a:r>
+              <a:rPr lang="en-US"/>
+              <a:t>Click to edit Master text styles</a:t>
+            </a:r>
+          </a:p>
+        </p:txBody>
+      </p:sp>
+      <p:sp>
+        <p:nvSpPr>
+          <p:cNvPr id="4" name="Content Placeholder 3">
+            <a:extLst>
+              <a:ext uri="{FF2B5EF4-FFF2-40B4-BE49-F238E27FC236}">
+                <a16:creationId xmlns:a16="http://schemas.microsoft.com/office/drawing/2014/main" id="{C523C258-E6CF-4250-9ADE-3CCF91421876}"/>
+              </a:ext>
+            </a:extLst>
+          </p:cNvPr>
+          <p:cNvSpPr>
+            <a:spLocks noGrp="1"/>
+          </p:cNvSpPr>
+          <p:nvPr>
+            <p:ph sz="half" idx="2"/>
+          </p:nvPr>
+        </p:nvSpPr>
+        <p:spPr>
+          <a:xfrm>
+            <a:off x="839788" y="2505075"/>
+            <a:ext cx="5157787" cy="3684588"/>
+          </a:xfrm>
+        </p:spPr>
+        <p:txBody>
+          <a:bodyPr/>
+          <a:lstStyle/>
+          <a:p>
+            <a:pPr lvl="0"/>
+            <a:r>
+              <a:rPr lang="en-US"/>
+              <a:t>Click to edit Master text styles</a:t>
+            </a:r>
+          </a:p>
+          <a:p>
+            <a:pPr lvl="1"/>
+            <a:r>
+              <a:rPr lang="en-US"/>
+              <a:t>Second level</a:t>
+            </a:r>
+          </a:p>
+          <a:p>
+            <a:pPr lvl="2"/>
+            <a:r>
+              <a:rPr lang="en-US"/>
+              <a:t>Third level</a:t>
+            </a:r>
+          </a:p>
+          <a:p>
+            <a:pPr lvl="3"/>
+            <a:r>
+              <a:rPr lang="en-US"/>
+              <a:t>Fourth level</a:t>
+            </a:r>
+          </a:p>
+          <a:p>
+            <a:pPr lvl="4"/>
+            <a:r>
+              <a:rPr lang="en-US"/>
+              <a:t>Fifth level</a:t>
+            </a:r>
+            <a:endParaRPr lang="en-US" dirty="0"/>
+          </a:p>
+        </p:txBody>
+      </p:sp>
+      <p:sp>
+        <p:nvSpPr>
+          <p:cNvPr id="5" name="Text Placeholder 4">
+            <a:extLst>
+              <a:ext uri="{FF2B5EF4-FFF2-40B4-BE49-F238E27FC236}">
+                <a16:creationId xmlns:a16="http://schemas.microsoft.com/office/drawing/2014/main" id="{AB73D0E3-F2B3-4828-9FE8-79E35EBAD5CD}"/>
+              </a:ext>
+            </a:extLst>
+          </p:cNvPr>
+          <p:cNvSpPr>
+            <a:spLocks noGrp="1"/>
+          </p:cNvSpPr>
+          <p:nvPr>
+            <p:ph type="body" sz="quarter" idx="3"/>
+          </p:nvPr>
+        </p:nvSpPr>
+        <p:spPr>
+          <a:xfrm>
+            <a:off x="6172200" y="1681163"/>
+            <a:ext cx="5183188" cy="823912"/>
+          </a:xfrm>
+        </p:spPr>
+        <p:txBody>
+          <a:bodyPr anchor="b">
+            <a:normAutofit/>
+          </a:bodyPr>
+          <a:lstStyle>
+            <a:lvl1pPr marL="0" indent="0">
+              <a:buNone/>
+              <a:defRPr sz="2800" b="1"/>
+            </a:lvl1pPr>
+            <a:lvl2pPr marL="457200" indent="0">
+              <a:buNone/>
+              <a:defRPr sz="2000" b="1"/>
+            </a:lvl2pPr>
+            <a:lvl3pPr marL="914400" indent="0">
+              <a:buNone/>
+              <a:defRPr sz="1800" b="1"/>
+            </a:lvl3pPr>
+            <a:lvl4pPr marL="1371600" indent="0">
+              <a:buNone/>
+              <a:defRPr sz="1600" b="1"/>
+            </a:lvl4pPr>
+            <a:lvl5pPr marL="1828800" indent="0">
+              <a:buNone/>
+              <a:defRPr sz="1600" b="1"/>
+            </a:lvl5pPr>
+            <a:lvl6pPr marL="2286000" indent="0">
+              <a:buNone/>
+              <a:defRPr sz="1600" b="1"/>
+            </a:lvl6pPr>
+            <a:lvl7pPr marL="2743200" indent="0">
+              <a:buNone/>
+              <a:defRPr sz="1600" b="1"/>
+            </a:lvl7pPr>
+            <a:lvl8pPr marL="3200400" indent="0">
+              <a:buNone/>
+              <a:defRPr sz="1600" b="1"/>
+            </a:lvl8pPr>
+            <a:lvl9pPr marL="3657600" indent="0">
+              <a:buNone/>
+              <a:defRPr sz="1600" b="1"/>
+            </a:lvl9pPr>
+          </a:lstStyle>
+          <a:p>
+            <a:pPr lvl="0"/>
+            <a:r>
+              <a:rPr lang="en-US"/>
+              <a:t>Click to edit Master text styles</a:t>
+            </a:r>
+          </a:p>
+        </p:txBody>
+      </p:sp>
+      <p:sp>
+        <p:nvSpPr>
+          <p:cNvPr id="6" name="Content Placeholder 5">
+            <a:extLst>
+              <a:ext uri="{FF2B5EF4-FFF2-40B4-BE49-F238E27FC236}">
+                <a16:creationId xmlns:a16="http://schemas.microsoft.com/office/drawing/2014/main" id="{A99FC978-7416-4BEC-A3E2-5F84F4560041}"/>
+              </a:ext>
+            </a:extLst>
+          </p:cNvPr>
+          <p:cNvSpPr>
+            <a:spLocks noGrp="1"/>
+          </p:cNvSpPr>
+          <p:nvPr>
+            <p:ph sz="quarter" idx="4"/>
+          </p:nvPr>
+        </p:nvSpPr>
+        <p:spPr>
+          <a:xfrm>
+            <a:off x="6172200" y="2505075"/>
+            <a:ext cx="5183188" cy="3684588"/>
+          </a:xfrm>
+        </p:spPr>
+        <p:txBody>
+          <a:bodyPr/>
+          <a:lstStyle/>
+          <a:p>
+            <a:pPr lvl="0"/>
+            <a:r>
+              <a:rPr lang="en-US"/>
+              <a:t>Click to edit Master text styles</a:t>
+            </a:r>
+          </a:p>
+          <a:p>
+            <a:pPr lvl="1"/>
+            <a:r>
+              <a:rPr lang="en-US"/>
+              <a:t>Second level</a:t>
+            </a:r>
+          </a:p>
+          <a:p>
+            <a:pPr lvl="2"/>
+            <a:r>
+              <a:rPr lang="en-US"/>
+              <a:t>Third level</a:t>
+            </a:r>
+          </a:p>
+          <a:p>
+            <a:pPr lvl="3"/>
+            <a:r>
+              <a:rPr lang="en-US"/>
+              <a:t>Fourth level</a:t>
+            </a:r>
+          </a:p>
+          <a:p>
+            <a:pPr lvl="4"/>
+            <a:r>
+              <a:rPr lang="en-US"/>
+              <a:t>Fifth level</a:t>
+            </a:r>
+          </a:p>
+        </p:txBody>
+      </p:sp>
+      <p:sp>
+        <p:nvSpPr>
+          <p:cNvPr id="13" name="Title Placeholder 1">
+            <a:extLst>
+              <a:ext uri="{FF2B5EF4-FFF2-40B4-BE49-F238E27FC236}">
+                <a16:creationId xmlns:a16="http://schemas.microsoft.com/office/drawing/2014/main" id="{CEAA7D5A-E2C3-8158-2C65-6FCE700A051E}"/>
+              </a:ext>
+            </a:extLst>
+          </p:cNvPr>
+          <p:cNvSpPr>
+            <a:spLocks noGrp="1"/>
+          </p:cNvSpPr>
+          <p:nvPr>
+            <p:ph type="title"/>
+          </p:nvPr>
+        </p:nvSpPr>
+        <p:spPr>
+          <a:xfrm>
+            <a:off x="0" y="0"/>
+            <a:ext cx="12192000" cy="907525"/>
+          </a:xfrm>
+          <a:prstGeom prst="rect">
+            <a:avLst/>
+          </a:prstGeom>
+          <a:solidFill>
+            <a:schemeClr val="accent1"/>
+          </a:solidFill>
+        </p:spPr>
+        <p:txBody>
+          <a:bodyPr vert="horz" lIns="91440" tIns="274320" rIns="91440" bIns="45720" rtlCol="0" anchor="ctr">
+            <a:normAutofit/>
+          </a:bodyPr>
+          <a:lstStyle/>
+          <a:p>
+            <a:r>
+              <a:rPr lang="en-US"/>
+              <a:t>Click to edit Master title style</a:t>
+            </a:r>
+            <a:endParaRPr lang="en-US" dirty="0"/>
+          </a:p>
+        </p:txBody>
+      </p:sp>
+      <p:sp>
+        <p:nvSpPr>
+          <p:cNvPr id="12" name="Date Placeholder 11">
+            <a:extLst>
+              <a:ext uri="{FF2B5EF4-FFF2-40B4-BE49-F238E27FC236}">
+                <a16:creationId xmlns:a16="http://schemas.microsoft.com/office/drawing/2014/main" id="{746AA4AE-5CBB-E3C2-7214-7D2F7572DDAA}"/>
+              </a:ext>
+            </a:extLst>
+          </p:cNvPr>
+          <p:cNvSpPr>
+            <a:spLocks noGrp="1"/>
+          </p:cNvSpPr>
+          <p:nvPr>
+            <p:ph type="dt" sz="half" idx="10"/>
+          </p:nvPr>
+        </p:nvSpPr>
+        <p:spPr/>
+        <p:txBody>
+          <a:bodyPr/>
+          <a:lstStyle/>
+          <a:p>
+            <a:fld id="{D49DC1BE-E9A7-5149-938F-8AC72CA20F58}" type="datetime4">
+              <a:rPr lang="en-US" smtClean="0"/>
+              <a:t>May 2, 2022</a:t>
+            </a:fld>
+            <a:endParaRPr lang="en-US" dirty="0"/>
+          </a:p>
+        </p:txBody>
+      </p:sp>
+      <p:sp>
+        <p:nvSpPr>
+          <p:cNvPr id="14" name="Footer Placeholder 13">
+            <a:extLst>
+              <a:ext uri="{FF2B5EF4-FFF2-40B4-BE49-F238E27FC236}">
+                <a16:creationId xmlns:a16="http://schemas.microsoft.com/office/drawing/2014/main" id="{951305C1-B853-FF86-C7D1-E0E9B71E4A52}"/>
+              </a:ext>
+            </a:extLst>
+          </p:cNvPr>
+          <p:cNvSpPr>
+            <a:spLocks noGrp="1"/>
+          </p:cNvSpPr>
+          <p:nvPr>
+            <p:ph type="ftr" sz="quarter" idx="11"/>
+          </p:nvPr>
+        </p:nvSpPr>
+        <p:spPr/>
+        <p:txBody>
+          <a:bodyPr/>
+          <a:lstStyle/>
+          <a:p>
+            <a:r>
+              <a:rPr lang="en-US"/>
+              <a:t>Foot here</a:t>
+            </a:r>
+            <a:endParaRPr lang="en-US" dirty="0"/>
+          </a:p>
+        </p:txBody>
+      </p:sp>
+      <p:sp>
+        <p:nvSpPr>
+          <p:cNvPr id="15" name="Slide Number Placeholder 14">
+            <a:extLst>
+              <a:ext uri="{FF2B5EF4-FFF2-40B4-BE49-F238E27FC236}">
+                <a16:creationId xmlns:a16="http://schemas.microsoft.com/office/drawing/2014/main" id="{C7D36C77-B794-D188-CDB9-829834A75AD4}"/>
+              </a:ext>
+            </a:extLst>
+          </p:cNvPr>
+          <p:cNvSpPr>
+            <a:spLocks noGrp="1"/>
+          </p:cNvSpPr>
+          <p:nvPr>
+            <p:ph type="sldNum" sz="quarter" idx="12"/>
+          </p:nvPr>
+        </p:nvSpPr>
+        <p:spPr/>
+        <p:txBody>
+          <a:bodyPr/>
+          <a:lstStyle/>
+          <a:p>
+            <a:fld id="{FAA8105A-9F50-7A47-B22F-19856B84F6D6}" type="slidenum">
+              <a:rPr lang="en-US" smtClean="0"/>
+              <a:pPr/>
+              <a:t>‹#›</a:t>
+            </a:fld>
+            <a:endParaRPr lang="en-US"/>
+          </a:p>
+        </p:txBody>
+      </p:sp>
+    </p:spTree>
+    <p:extLst>
+      <p:ext uri="{BB962C8B-B14F-4D97-AF65-F5344CB8AC3E}">
+        <p14:creationId xmlns:p14="http://schemas.microsoft.com/office/powerpoint/2010/main" val="3163684847"/>
+      </p:ext>
+    </p:extLst>
+  </p:cSld>
+  <p:clrMapOvr>
+    <a:masterClrMapping/>
+  </p:clrMapOvr>
+</p:sldLayout>
+</file>
+
+<file path=ppt/slideLayouts/slideLayout9.xml><?xml version="1.0" encoding="utf-8"?>
+<p:sldLayout xmlns:a="http://schemas.openxmlformats.org/drawingml/2006/main" xmlns:r="http://schemas.openxmlformats.org/officeDocument/2006/relationships" xmlns:p="http://schemas.openxmlformats.org/presentationml/2006/main" preserve="1" userDrawn="1">
+  <p:cSld name="1_Title Only">
+    <p:spTree>
+      <p:nvGrpSpPr>
+        <p:cNvPr id="1" name=""/>
+        <p:cNvGrpSpPr/>
+        <p:nvPr/>
+      </p:nvGrpSpPr>
+      <p:grpSpPr>
+        <a:xfrm>
+          <a:off x="0" y="0"/>
+          <a:ext cx="0" cy="0"/>
+          <a:chOff x="0" y="0"/>
+          <a:chExt cx="0" cy="0"/>
+        </a:xfrm>
+      </p:grpSpPr>
+      <p:sp>
+        <p:nvSpPr>
+          <p:cNvPr id="2" name="Title 1">
+            <a:extLst>
+              <a:ext uri="{FF2B5EF4-FFF2-40B4-BE49-F238E27FC236}">
+                <a16:creationId xmlns:a16="http://schemas.microsoft.com/office/drawing/2014/main" id="{63FB6189-0E78-45C1-8704-51B6FC39FEEF}"/>
+              </a:ext>
+            </a:extLst>
+          </p:cNvPr>
+          <p:cNvSpPr>
+            <a:spLocks noGrp="1"/>
+          </p:cNvSpPr>
+          <p:nvPr>
+            <p:ph type="title"/>
+          </p:nvPr>
+        </p:nvSpPr>
+        <p:spPr/>
+        <p:txBody>
+          <a:bodyPr/>
+          <a:lstStyle/>
+          <a:p>
+            <a:r>
+              <a:rPr lang="en-US"/>
+              <a:t>Click to edit Master title style</a:t>
+            </a:r>
+            <a:endParaRPr lang="en-US" dirty="0"/>
+          </a:p>
+        </p:txBody>
+      </p:sp>
+      <p:sp>
+        <p:nvSpPr>
+          <p:cNvPr id="4" name="Date Placeholder 3">
+            <a:extLst>
+              <a:ext uri="{FF2B5EF4-FFF2-40B4-BE49-F238E27FC236}">
+                <a16:creationId xmlns:a16="http://schemas.microsoft.com/office/drawing/2014/main" id="{D45217D2-E09D-B61B-12D8-0D0B70BCE656}"/>
+              </a:ext>
+            </a:extLst>
+          </p:cNvPr>
+          <p:cNvSpPr>
+            <a:spLocks noGrp="1"/>
+          </p:cNvSpPr>
+          <p:nvPr>
+            <p:ph type="dt" sz="half" idx="10"/>
+          </p:nvPr>
+        </p:nvSpPr>
+        <p:spPr/>
+        <p:txBody>
+          <a:bodyPr/>
+          <a:lstStyle/>
+          <a:p>
+            <a:fld id="{43891420-0630-9649-B3ED-E8C37B93454A}" type="datetime4">
+              <a:rPr lang="en-US" smtClean="0"/>
+              <a:t>May 2, 2022</a:t>
+            </a:fld>
+            <a:endParaRPr lang="en-US" dirty="0"/>
+          </a:p>
+        </p:txBody>
+      </p:sp>
+      <p:sp>
+        <p:nvSpPr>
+          <p:cNvPr id="5" name="Footer Placeholder 4">
+            <a:extLst>
+              <a:ext uri="{FF2B5EF4-FFF2-40B4-BE49-F238E27FC236}">
+                <a16:creationId xmlns:a16="http://schemas.microsoft.com/office/drawing/2014/main" id="{984EB204-6B38-8446-1F52-AB40F5CB09D0}"/>
+              </a:ext>
+            </a:extLst>
+          </p:cNvPr>
+          <p:cNvSpPr>
+            <a:spLocks noGrp="1"/>
+          </p:cNvSpPr>
+          <p:nvPr>
+            <p:ph type="ftr" sz="quarter" idx="11"/>
+          </p:nvPr>
+        </p:nvSpPr>
+        <p:spPr/>
+        <p:txBody>
+          <a:bodyPr/>
+          <a:lstStyle/>
+          <a:p>
+            <a:r>
+              <a:rPr lang="en-US"/>
+              <a:t>Foot here</a:t>
+            </a:r>
+            <a:endParaRPr lang="en-US" dirty="0"/>
+          </a:p>
+        </p:txBody>
+      </p:sp>
+      <p:sp>
+        <p:nvSpPr>
+          <p:cNvPr id="8" name="Slide Number Placeholder 7">
+            <a:extLst>
+              <a:ext uri="{FF2B5EF4-FFF2-40B4-BE49-F238E27FC236}">
+                <a16:creationId xmlns:a16="http://schemas.microsoft.com/office/drawing/2014/main" id="{DE69B5B3-B203-68F0-BC8C-939AE8DABD6F}"/>
+              </a:ext>
+            </a:extLst>
+          </p:cNvPr>
+          <p:cNvSpPr>
+            <a:spLocks noGrp="1"/>
+          </p:cNvSpPr>
+          <p:nvPr>
+            <p:ph type="sldNum" sz="quarter" idx="12"/>
+          </p:nvPr>
+        </p:nvSpPr>
+        <p:spPr/>
+        <p:txBody>
+          <a:bodyPr/>
+          <a:lstStyle/>
+          <a:p>
+            <a:fld id="{FAA8105A-9F50-7A47-B22F-19856B84F6D6}" type="slidenum">
+              <a:rPr lang="en-US" smtClean="0"/>
+              <a:pPr/>
+              <a:t>‹#›</a:t>
+            </a:fld>
+            <a:endParaRPr lang="en-US"/>
+          </a:p>
+        </p:txBody>
+      </p:sp>
+    </p:spTree>
+    <p:extLst>
+      <p:ext uri="{BB962C8B-B14F-4D97-AF65-F5344CB8AC3E}">
+        <p14:creationId xmlns:p14="http://schemas.microsoft.com/office/powerpoint/2010/main" val="2588119367"/>
       </p:ext>
     </p:extLst>
   </p:cSld>
@@ -2438,7 +3766,7 @@
           <a:p>
             <a:fld id="{4410D096-1298-A54A-A367-F4F59EBF1F81}" type="datetime4">
               <a:rPr lang="en-US" smtClean="0"/>
-              <a:t>May 1, 2022</a:t>
+              <a:t>May 2, 2022</a:t>
             </a:fld>
             <a:endParaRPr lang="en-US" dirty="0"/>
           </a:p>
@@ -2496,22 +3824,62 @@
           </a:p>
         </p:txBody>
       </p:sp>
+      <p:pic>
+        <p:nvPicPr>
+          <p:cNvPr id="7" name="Picture 6">
+            <a:extLst>
+              <a:ext uri="{FF2B5EF4-FFF2-40B4-BE49-F238E27FC236}">
+                <a16:creationId xmlns:a16="http://schemas.microsoft.com/office/drawing/2014/main" id="{E3B20306-4F53-CDAC-E5E3-EB005DBEEC1E}"/>
+              </a:ext>
+            </a:extLst>
+          </p:cNvPr>
+          <p:cNvPicPr>
+            <a:picLocks noChangeAspect="1"/>
+          </p:cNvPicPr>
+          <p:nvPr/>
+        </p:nvPicPr>
+        <p:blipFill>
+          <a:blip r:embed="rId13">
+            <a:extLst>
+              <a:ext uri="{28A0092B-C50C-407E-A947-70E740481C1C}">
+                <a14:useLocalDpi xmlns:a14="http://schemas.microsoft.com/office/drawing/2010/main" val="0"/>
+              </a:ext>
+            </a:extLst>
+          </a:blip>
+          <a:stretch>
+            <a:fillRect/>
+          </a:stretch>
+        </p:blipFill>
+        <p:spPr>
+          <a:xfrm>
+            <a:off x="8201925" y="6331058"/>
+            <a:ext cx="3946453" cy="217521"/>
+          </a:xfrm>
+          <a:prstGeom prst="rect">
+            <a:avLst/>
+          </a:prstGeom>
+        </p:spPr>
+      </p:pic>
     </p:spTree>
     <p:extLst>
       <p:ext uri="{BB962C8B-B14F-4D97-AF65-F5344CB8AC3E}">
-        <p14:creationId xmlns:p14="http://schemas.microsoft.com/office/powerpoint/2010/main" val="2664423258"/>
+        <p14:creationId xmlns:p14="http://schemas.microsoft.com/office/powerpoint/2010/main" val="1486103979"/>
       </p:ext>
     </p:extLst>
   </p:cSld>
   <p:clrMap bg1="lt1" tx1="dk1" bg2="lt2" tx2="dk2" accent1="accent1" accent2="accent2" accent3="accent3" accent4="accent4" accent5="accent5" accent6="accent6" hlink="hlink" folHlink="folHlink"/>
   <p:sldLayoutIdLst>
-    <p:sldLayoutId id="2147483649" r:id="rId1"/>
-    <p:sldLayoutId id="2147483650" r:id="rId2"/>
-    <p:sldLayoutId id="2147483652" r:id="rId3"/>
-    <p:sldLayoutId id="2147483653" r:id="rId4"/>
-    <p:sldLayoutId id="2147483654" r:id="rId5"/>
-    <p:sldLayoutId id="2147483656" r:id="rId6"/>
-    <p:sldLayoutId id="2147483655" r:id="rId7"/>
+    <p:sldLayoutId id="2147483658" r:id="rId1"/>
+    <p:sldLayoutId id="2147483659" r:id="rId2"/>
+    <p:sldLayoutId id="2147483660" r:id="rId3"/>
+    <p:sldLayoutId id="2147483661" r:id="rId4"/>
+    <p:sldLayoutId id="2147483662" r:id="rId5"/>
+    <p:sldLayoutId id="2147483663" r:id="rId6"/>
+    <p:sldLayoutId id="2147483649" r:id="rId7"/>
+    <p:sldLayoutId id="2147483653" r:id="rId8"/>
+    <p:sldLayoutId id="2147483654" r:id="rId9"/>
+    <p:sldLayoutId id="2147483656" r:id="rId10"/>
+    <p:sldLayoutId id="2147483655" r:id="rId11"/>
   </p:sldLayoutIdLst>
   <p:hf hdr="0"/>
   <p:txStyles>
@@ -2537,13 +3905,13 @@
     <p:bodyStyle>
       <a:lvl1pPr marL="228600" indent="-228600" algn="l" defTabSz="914400" rtl="0" eaLnBrk="1" latinLnBrk="0" hangingPunct="1">
         <a:lnSpc>
-          <a:spcPct val="90000"/>
+          <a:spcPct val="110000"/>
         </a:lnSpc>
         <a:spcBef>
           <a:spcPts val="1000"/>
         </a:spcBef>
         <a:buClr>
-          <a:srgbClr val="3332B4"/>
+          <a:schemeClr val="accent1"/>
         </a:buClr>
         <a:buSzPct val="120000"/>
         <a:buFont typeface="Arial" panose="020B0604020202020204" pitchFamily="34" charset="0"/>
@@ -2559,13 +3927,13 @@
       </a:lvl1pPr>
       <a:lvl2pPr marL="685800" indent="-228600" algn="just" defTabSz="914400" rtl="0" eaLnBrk="1" latinLnBrk="0" hangingPunct="1">
         <a:lnSpc>
-          <a:spcPct val="70000"/>
+          <a:spcPct val="110000"/>
         </a:lnSpc>
         <a:spcBef>
           <a:spcPts val="600"/>
         </a:spcBef>
         <a:buClr>
-          <a:srgbClr val="3332B4"/>
+          <a:schemeClr val="accent1"/>
         </a:buClr>
         <a:buSzPct val="120000"/>
         <a:buFont typeface="Arial" panose="020B0604020202020204" pitchFamily="34" charset="0"/>
@@ -2581,13 +3949,13 @@
       </a:lvl2pPr>
       <a:lvl3pPr marL="1143000" indent="-228600" algn="l" defTabSz="914400" rtl="0" eaLnBrk="1" latinLnBrk="0" hangingPunct="1">
         <a:lnSpc>
-          <a:spcPct val="90000"/>
+          <a:spcPct val="110000"/>
         </a:lnSpc>
         <a:spcBef>
           <a:spcPts val="500"/>
         </a:spcBef>
         <a:buClr>
-          <a:srgbClr val="3332B4"/>
+          <a:schemeClr val="accent1"/>
         </a:buClr>
         <a:buSzPct val="120000"/>
         <a:buFont typeface="Arial" panose="020B0604020202020204" pitchFamily="34" charset="0"/>
@@ -2603,13 +3971,13 @@
       </a:lvl3pPr>
       <a:lvl4pPr marL="1600200" indent="-228600" algn="l" defTabSz="914400" rtl="0" eaLnBrk="1" latinLnBrk="0" hangingPunct="1">
         <a:lnSpc>
-          <a:spcPct val="90000"/>
+          <a:spcPct val="110000"/>
         </a:lnSpc>
         <a:spcBef>
           <a:spcPts val="500"/>
         </a:spcBef>
         <a:buClr>
-          <a:srgbClr val="3332B4"/>
+          <a:schemeClr val="accent1"/>
         </a:buClr>
         <a:buSzPct val="120000"/>
         <a:buFont typeface="Arial" panose="020B0604020202020204" pitchFamily="34" charset="0"/>
@@ -2625,13 +3993,13 @@
       </a:lvl4pPr>
       <a:lvl5pPr marL="2057400" indent="-228600" algn="l" defTabSz="914400" rtl="0" eaLnBrk="1" latinLnBrk="0" hangingPunct="1">
         <a:lnSpc>
-          <a:spcPct val="90000"/>
+          <a:spcPct val="110000"/>
         </a:lnSpc>
         <a:spcBef>
           <a:spcPts val="500"/>
         </a:spcBef>
         <a:buClr>
-          <a:srgbClr val="3332B4"/>
+          <a:schemeClr val="accent1"/>
         </a:buClr>
         <a:buSzPct val="120000"/>
         <a:buFont typeface="Arial" panose="020B0604020202020204" pitchFamily="34" charset="0"/>
@@ -3070,7 +4438,7 @@
           <a:p>
             <a:fld id="{6A7CC480-EA07-EB4E-91F1-A0C0CEAEF9FE}" type="datetime4">
               <a:rPr lang="en-US" smtClean="0"/>
-              <a:t>May 1, 2022</a:t>
+              <a:t>May 2, 2022</a:t>
             </a:fld>
             <a:endParaRPr lang="en-US" dirty="0"/>
           </a:p>
@@ -3274,7 +4642,7 @@
           <a:p>
             <a:fld id="{C9403354-8608-7946-8D94-9B40E15E7124}" type="datetime4">
               <a:rPr lang="en-US" smtClean="0"/>
-              <a:t>May 1, 2022</a:t>
+              <a:t>May 2, 2022</a:t>
             </a:fld>
             <a:endParaRPr lang="en-US" dirty="0"/>
           </a:p>
@@ -3547,7 +4915,7 @@
           <a:p>
             <a:fld id="{5770114E-6FD0-CA40-AE00-832E08AEE08E}" type="datetime4">
               <a:rPr lang="en-US" smtClean="0"/>
-              <a:t>May 1, 2022</a:t>
+              <a:t>May 2, 2022</a:t>
             </a:fld>
             <a:endParaRPr lang="en-US" dirty="0"/>
           </a:p>
@@ -3695,7 +5063,7 @@
           <a:p>
             <a:fld id="{68C75D52-038B-F74C-A500-83C9EA401ABC}" type="datetime4">
               <a:rPr lang="en-US" smtClean="0"/>
-              <a:t>May 1, 2022</a:t>
+              <a:t>May 2, 2022</a:t>
             </a:fld>
             <a:endParaRPr lang="en-US" dirty="0"/>
           </a:p>
@@ -3774,7 +5142,7 @@
 </file>
 
 <file path=ppt/theme/theme1.xml><?xml version="1.0" encoding="utf-8"?>
-<a:theme xmlns:a="http://schemas.openxmlformats.org/drawingml/2006/main" name="Office Theme">
+<a:theme xmlns:a="http://schemas.openxmlformats.org/drawingml/2006/main" name="beamer">
   <a:themeElements>
     <a:clrScheme name="BeamerBlue">
       <a:dk1>
@@ -4062,7 +5430,7 @@
   <a:extraClrSchemeLst/>
   <a:extLst>
     <a:ext uri="{05A4C25C-085E-4340-85A3-A5531E510DB2}">
-      <thm15:themeFamily xmlns:thm15="http://schemas.microsoft.com/office/thememl/2012/main" name="mytemplate" id="{FC26F534-54E3-F145-A3DD-5030F88CA99D}" vid="{838243DA-EAC5-AC44-9670-C96FFDB638FD}"/>
+      <thm15:themeFamily xmlns:thm15="http://schemas.microsoft.com/office/thememl/2012/main" name="beamer" id="{721F074C-604C-4843-BFBE-9B67CF8164E2}" vid="{BB55CEE6-A278-5C4D-B21A-218C458FF0D8}"/>
     </a:ext>
   </a:extLst>
 </a:theme>
